--- a/Assignment3_DSA  Konstantin.pptx
+++ b/Assignment3_DSA  Konstantin.pptx
@@ -4749,8 +4749,11 @@
             <a:avLst/>
           </a:prstGeom>
           <a:ln w="25400">
+            <a:solidFill>
+              <a:srgbClr val="FF0000"/>
+            </a:solidFill>
             <a:headEnd w="med" len="lg"/>
-            <a:tailEnd type="triangle" w="med" len="lg"/>
+            <a:tailEnd type="triangle" w="lg" len="lg"/>
           </a:ln>
         </p:spPr>
         <p:style>
@@ -4786,8 +4789,11 @@
             <a:avLst/>
           </a:prstGeom>
           <a:ln w="25400">
+            <a:solidFill>
+              <a:srgbClr val="00B050"/>
+            </a:solidFill>
             <a:headEnd w="med" len="lg"/>
-            <a:tailEnd type="triangle" w="med" len="lg"/>
+            <a:tailEnd type="triangle" w="lg" len="lg"/>
           </a:ln>
         </p:spPr>
         <p:style>
@@ -4823,8 +4829,11 @@
             <a:avLst/>
           </a:prstGeom>
           <a:ln w="25400">
+            <a:solidFill>
+              <a:srgbClr val="FF0000"/>
+            </a:solidFill>
             <a:headEnd w="med" len="lg"/>
-            <a:tailEnd type="triangle" w="med" len="lg"/>
+            <a:tailEnd type="triangle" w="lg" len="lg"/>
           </a:ln>
         </p:spPr>
         <p:style>
@@ -4860,8 +4869,11 @@
             <a:avLst/>
           </a:prstGeom>
           <a:ln w="25400">
+            <a:solidFill>
+              <a:srgbClr val="00B050"/>
+            </a:solidFill>
             <a:headEnd w="med" len="lg"/>
-            <a:tailEnd type="triangle" w="med" len="lg"/>
+            <a:tailEnd type="triangle" w="lg" len="lg"/>
           </a:ln>
         </p:spPr>
         <p:style>
@@ -4897,8 +4909,11 @@
             <a:avLst/>
           </a:prstGeom>
           <a:ln w="25400">
+            <a:solidFill>
+              <a:srgbClr val="FF0000"/>
+            </a:solidFill>
             <a:headEnd w="med" len="lg"/>
-            <a:tailEnd type="triangle" w="med" len="lg"/>
+            <a:tailEnd type="triangle" w="lg" len="lg"/>
           </a:ln>
         </p:spPr>
         <p:style>
@@ -4934,8 +4949,11 @@
             <a:avLst/>
           </a:prstGeom>
           <a:ln w="25400">
+            <a:solidFill>
+              <a:srgbClr val="00B050"/>
+            </a:solidFill>
             <a:headEnd w="med" len="lg"/>
-            <a:tailEnd type="triangle" w="med" len="lg"/>
+            <a:tailEnd type="triangle" w="lg" len="lg"/>
           </a:ln>
         </p:spPr>
         <p:style>
@@ -4971,8 +4989,11 @@
             <a:avLst/>
           </a:prstGeom>
           <a:ln w="25400">
+            <a:solidFill>
+              <a:srgbClr val="FF0000"/>
+            </a:solidFill>
             <a:headEnd w="med" len="lg"/>
-            <a:tailEnd type="triangle" w="med" len="lg"/>
+            <a:tailEnd type="triangle" w="lg" len="lg"/>
           </a:ln>
         </p:spPr>
         <p:style>
@@ -5008,8 +5029,11 @@
             <a:avLst/>
           </a:prstGeom>
           <a:ln w="25400">
+            <a:solidFill>
+              <a:srgbClr val="00B050"/>
+            </a:solidFill>
             <a:headEnd w="med" len="lg"/>
-            <a:tailEnd type="triangle" w="med" len="lg"/>
+            <a:tailEnd type="triangle" w="lg" len="lg"/>
           </a:ln>
         </p:spPr>
         <p:style>
@@ -5045,8 +5069,11 @@
             <a:avLst/>
           </a:prstGeom>
           <a:ln w="25400">
+            <a:solidFill>
+              <a:srgbClr val="FF0000"/>
+            </a:solidFill>
             <a:headEnd w="med" len="lg"/>
-            <a:tailEnd type="triangle" w="med" len="lg"/>
+            <a:tailEnd type="triangle" w="lg" len="lg"/>
           </a:ln>
         </p:spPr>
         <p:style>
@@ -5082,8 +5109,11 @@
             <a:avLst/>
           </a:prstGeom>
           <a:ln w="25400">
+            <a:solidFill>
+              <a:srgbClr val="00B050"/>
+            </a:solidFill>
             <a:headEnd w="med" len="lg"/>
-            <a:tailEnd type="triangle" w="med" len="lg"/>
+            <a:tailEnd type="triangle" w="lg" len="lg"/>
           </a:ln>
         </p:spPr>
         <p:style>
@@ -5119,8 +5149,11 @@
             <a:avLst/>
           </a:prstGeom>
           <a:ln w="25400">
+            <a:solidFill>
+              <a:srgbClr val="00B050"/>
+            </a:solidFill>
             <a:headEnd w="med" len="lg"/>
-            <a:tailEnd type="triangle" w="med" len="lg"/>
+            <a:tailEnd type="triangle" w="lg" len="lg"/>
           </a:ln>
         </p:spPr>
         <p:style>
@@ -5156,8 +5189,11 @@
             <a:avLst/>
           </a:prstGeom>
           <a:ln w="25400">
+            <a:solidFill>
+              <a:srgbClr val="FF0000"/>
+            </a:solidFill>
             <a:headEnd w="med" len="lg"/>
-            <a:tailEnd type="triangle" w="med" len="lg"/>
+            <a:tailEnd type="triangle" w="lg" len="lg"/>
           </a:ln>
         </p:spPr>
         <p:style>
